--- a/Christmas_Challenge_2020.pptx
+++ b/Christmas_Challenge_2020.pptx
@@ -6,13 +6,14 @@
   </p:sldMasterIdLst>
   <p:sldIdLst>
     <p:sldId id="256" r:id="rId2"/>
-    <p:sldId id="257" r:id="rId3"/>
-    <p:sldId id="258" r:id="rId4"/>
-    <p:sldId id="261" r:id="rId5"/>
-    <p:sldId id="263" r:id="rId6"/>
-    <p:sldId id="259" r:id="rId7"/>
-    <p:sldId id="260" r:id="rId8"/>
-    <p:sldId id="262" r:id="rId9"/>
+    <p:sldId id="258" r:id="rId3"/>
+    <p:sldId id="261" r:id="rId4"/>
+    <p:sldId id="263" r:id="rId5"/>
+    <p:sldId id="264" r:id="rId6"/>
+    <p:sldId id="265" r:id="rId7"/>
+    <p:sldId id="259" r:id="rId8"/>
+    <p:sldId id="260" r:id="rId9"/>
+    <p:sldId id="262" r:id="rId10"/>
   </p:sldIdLst>
   <p:sldSz cx="9144000" cy="6858000" type="screen4x3"/>
   <p:notesSz cx="6858000" cy="9144000"/>
@@ -1225,7 +1226,7 @@
           <a:p>
             <a:pPr algn="ctr"/>
             <a:r>
-              <a:rPr lang="en-GB" sz="8800" i="1" dirty="0" smtClean="0">
+              <a:rPr lang="en-GB" sz="8800" i="1" smtClean="0">
                 <a:solidFill>
                   <a:srgbClr val="FFFF00"/>
                 </a:solidFill>
@@ -1237,7 +1238,52 @@
                 <a:latin typeface="Times New Roman" panose="02020603050405020304" pitchFamily="18" charset="0"/>
                 <a:cs typeface="Times New Roman" panose="02020603050405020304" pitchFamily="18" charset="0"/>
               </a:rPr>
-              <a:t>Christmas Coding Challenge 2019</a:t>
+              <a:t>Christmas </a:t>
+            </a:r>
+            <a:r>
+              <a:rPr lang="en-GB" sz="8800" i="1" smtClean="0">
+                <a:solidFill>
+                  <a:srgbClr val="FFFF00"/>
+                </a:solidFill>
+                <a:effectLst>
+                  <a:outerShdw blurRad="38100" dist="63500" dir="2700000" algn="tl">
+                    <a:srgbClr val="FF0000"/>
+                  </a:outerShdw>
+                </a:effectLst>
+                <a:latin typeface="Times New Roman" panose="02020603050405020304" pitchFamily="18" charset="0"/>
+                <a:cs typeface="Times New Roman" panose="02020603050405020304" pitchFamily="18" charset="0"/>
+              </a:rPr>
+              <a:t>Scratch Coding </a:t>
+            </a:r>
+            <a:r>
+              <a:rPr lang="en-GB" sz="8800" i="1" smtClean="0">
+                <a:solidFill>
+                  <a:srgbClr val="FFFF00"/>
+                </a:solidFill>
+                <a:effectLst>
+                  <a:outerShdw blurRad="38100" dist="63500" dir="2700000" algn="tl">
+                    <a:srgbClr val="FF0000"/>
+                  </a:outerShdw>
+                </a:effectLst>
+                <a:latin typeface="Times New Roman" panose="02020603050405020304" pitchFamily="18" charset="0"/>
+                <a:cs typeface="Times New Roman" panose="02020603050405020304" pitchFamily="18" charset="0"/>
+              </a:rPr>
+              <a:t>Challenge </a:t>
+            </a:r>
+            <a:r>
+              <a:rPr lang="en-GB" sz="8800" i="1" smtClean="0">
+                <a:solidFill>
+                  <a:srgbClr val="FFFF00"/>
+                </a:solidFill>
+                <a:effectLst>
+                  <a:outerShdw blurRad="38100" dist="63500" dir="2700000" algn="tl">
+                    <a:srgbClr val="FF0000"/>
+                  </a:outerShdw>
+                </a:effectLst>
+                <a:latin typeface="Times New Roman" panose="02020603050405020304" pitchFamily="18" charset="0"/>
+                <a:cs typeface="Times New Roman" panose="02020603050405020304" pitchFamily="18" charset="0"/>
+              </a:rPr>
+              <a:t>2020</a:t>
             </a:r>
             <a:endParaRPr lang="en-GB" sz="8800" i="1" dirty="0">
               <a:solidFill>
@@ -1275,222 +1321,6 @@
 </file>
 
 <file path=ppt/slides/slide2.xml><?xml version="1.0" encoding="utf-8"?>
-<p:sld xmlns:a="http://schemas.openxmlformats.org/drawingml/2006/main" xmlns:r="http://schemas.openxmlformats.org/officeDocument/2006/relationships" xmlns:p="http://schemas.openxmlformats.org/presentationml/2006/main">
-  <p:cSld>
-    <p:spTree>
-      <p:nvGrpSpPr>
-        <p:cNvPr id="1" name=""/>
-        <p:cNvGrpSpPr/>
-        <p:nvPr/>
-      </p:nvGrpSpPr>
-      <p:grpSpPr>
-        <a:xfrm>
-          <a:off x="0" y="0"/>
-          <a:ext cx="0" cy="0"/>
-          <a:chOff x="0" y="0"/>
-          <a:chExt cx="0" cy="0"/>
-        </a:xfrm>
-      </p:grpSpPr>
-      <p:pic>
-        <p:nvPicPr>
-          <p:cNvPr id="2" name="Picture 1"/>
-          <p:cNvPicPr>
-            <a:picLocks noChangeAspect="1"/>
-          </p:cNvPicPr>
-          <p:nvPr/>
-        </p:nvPicPr>
-        <p:blipFill>
-          <a:blip r:embed="rId2">
-            <a:extLst>
-              <a:ext uri="{28A0092B-C50C-407E-A947-70E740481C1C}">
-                <a14:useLocalDpi xmlns:a14="http://schemas.microsoft.com/office/drawing/2010/main" val="0"/>
-              </a:ext>
-            </a:extLst>
-          </a:blip>
-          <a:stretch>
-            <a:fillRect/>
-          </a:stretch>
-        </p:blipFill>
-        <p:spPr>
-          <a:xfrm>
-            <a:off x="0" y="0"/>
-            <a:ext cx="9144000" cy="6858000"/>
-          </a:xfrm>
-          <a:prstGeom prst="rect">
-            <a:avLst/>
-          </a:prstGeom>
-        </p:spPr>
-      </p:pic>
-      <p:sp>
-        <p:nvSpPr>
-          <p:cNvPr id="3" name="TextBox 2"/>
-          <p:cNvSpPr txBox="1"/>
-          <p:nvPr/>
-        </p:nvSpPr>
-        <p:spPr>
-          <a:xfrm>
-            <a:off x="-3060848" y="-1846659"/>
-            <a:ext cx="6356475" cy="1846659"/>
-          </a:xfrm>
-          <a:prstGeom prst="rect">
-            <a:avLst/>
-          </a:prstGeom>
-          <a:noFill/>
-        </p:spPr>
-        <p:txBody>
-          <a:bodyPr wrap="none" lIns="36000" tIns="0" rIns="36000" bIns="0" rtlCol="0">
-            <a:spAutoFit/>
-          </a:bodyPr>
-          <a:lstStyle/>
-          <a:p>
-            <a:r>
-              <a:rPr lang="en-GB" sz="12000" dirty="0" smtClean="0">
-                <a:solidFill>
-                  <a:srgbClr val="FFFF00"/>
-                </a:solidFill>
-                <a:effectLst>
-                  <a:glow rad="101600">
-                    <a:schemeClr val="accent2">
-                      <a:satMod val="175000"/>
-                      <a:alpha val="40000"/>
-                    </a:schemeClr>
-                  </a:glow>
-                  <a:outerShdw blurRad="38100" dist="63500" dir="2700000" algn="tl">
-                    <a:schemeClr val="bg1">
-                      <a:lumMod val="65000"/>
-                      <a:alpha val="85000"/>
-                    </a:schemeClr>
-                  </a:outerShdw>
-                </a:effectLst>
-                <a:latin typeface="Times New Roman" panose="02020603050405020304" pitchFamily="18" charset="0"/>
-                <a:cs typeface="Times New Roman" panose="02020603050405020304" pitchFamily="18" charset="0"/>
-              </a:rPr>
-              <a:t>PRIZES</a:t>
-            </a:r>
-            <a:r>
-              <a:rPr lang="en-GB" sz="12000" dirty="0" smtClean="0">
-                <a:solidFill>
-                  <a:srgbClr val="FFFF00"/>
-                </a:solidFill>
-                <a:effectLst>
-                  <a:outerShdw blurRad="38100" dist="38100" dir="2700000" algn="tl">
-                    <a:srgbClr val="000000">
-                      <a:alpha val="43137"/>
-                    </a:srgbClr>
-                  </a:outerShdw>
-                </a:effectLst>
-                <a:latin typeface="Times New Roman" panose="02020603050405020304" pitchFamily="18" charset="0"/>
-                <a:cs typeface="Times New Roman" panose="02020603050405020304" pitchFamily="18" charset="0"/>
-              </a:rPr>
-              <a:t>...</a:t>
-            </a:r>
-            <a:endParaRPr lang="en-GB" sz="12000" dirty="0">
-              <a:solidFill>
-                <a:srgbClr val="FFFF00"/>
-              </a:solidFill>
-              <a:effectLst>
-                <a:outerShdw blurRad="38100" dist="38100" dir="2700000" algn="tl">
-                  <a:srgbClr val="000000">
-                    <a:alpha val="43137"/>
-                  </a:srgbClr>
-                </a:outerShdw>
-              </a:effectLst>
-              <a:latin typeface="Times New Roman" panose="02020603050405020304" pitchFamily="18" charset="0"/>
-              <a:cs typeface="Times New Roman" panose="02020603050405020304" pitchFamily="18" charset="0"/>
-            </a:endParaRPr>
-          </a:p>
-        </p:txBody>
-      </p:sp>
-    </p:spTree>
-    <p:extLst>
-      <p:ext uri="{BB962C8B-B14F-4D97-AF65-F5344CB8AC3E}">
-        <p14:creationId xmlns:p14="http://schemas.microsoft.com/office/powerpoint/2010/main" val="1168284357"/>
-      </p:ext>
-    </p:extLst>
-  </p:cSld>
-  <p:clrMapOvr>
-    <a:masterClrMapping/>
-  </p:clrMapOvr>
-  <p:timing>
-    <p:tnLst>
-      <p:par>
-        <p:cTn id="1" dur="indefinite" restart="never" nodeType="tmRoot">
-          <p:childTnLst>
-            <p:seq concurrent="1" nextAc="seek">
-              <p:cTn id="2" dur="indefinite" nodeType="mainSeq">
-                <p:childTnLst>
-                  <p:par>
-                    <p:cTn id="3" fill="hold">
-                      <p:stCondLst>
-                        <p:cond delay="indefinite"/>
-                        <p:cond evt="onBegin" delay="0">
-                          <p:tn val="2"/>
-                        </p:cond>
-                      </p:stCondLst>
-                      <p:childTnLst>
-                        <p:par>
-                          <p:cTn id="4" fill="hold">
-                            <p:stCondLst>
-                              <p:cond delay="0"/>
-                            </p:stCondLst>
-                            <p:childTnLst>
-                              <p:par>
-                                <p:cTn id="5" presetID="42" presetClass="path" presetSubtype="0" accel="50000" decel="50000" fill="hold" grpId="0" nodeType="withEffect">
-                                  <p:stCondLst>
-                                    <p:cond delay="0"/>
-                                  </p:stCondLst>
-                                  <p:childTnLst>
-                                    <p:animMotion origin="layout" path="M -0.54063 -0.33796 L 1.30607 1.44305 " pathEditMode="relative" rAng="0" ptsTypes="AA">
-                                      <p:cBhvr>
-                                        <p:cTn id="6" dur="8000" fill="hold"/>
-                                        <p:tgtEl>
-                                          <p:spTgt spid="3"/>
-                                        </p:tgtEl>
-                                        <p:attrNameLst>
-                                          <p:attrName>ppt_x</p:attrName>
-                                          <p:attrName>ppt_y</p:attrName>
-                                        </p:attrNameLst>
-                                      </p:cBhvr>
-                                      <p:rCtr x="92326" y="89051"/>
-                                    </p:animMotion>
-                                  </p:childTnLst>
-                                </p:cTn>
-                              </p:par>
-                            </p:childTnLst>
-                          </p:cTn>
-                        </p:par>
-                      </p:childTnLst>
-                    </p:cTn>
-                  </p:par>
-                </p:childTnLst>
-              </p:cTn>
-              <p:prevCondLst>
-                <p:cond evt="onPrev" delay="0">
-                  <p:tgtEl>
-                    <p:sldTgt/>
-                  </p:tgtEl>
-                </p:cond>
-              </p:prevCondLst>
-              <p:nextCondLst>
-                <p:cond evt="onNext" delay="0">
-                  <p:tgtEl>
-                    <p:sldTgt/>
-                  </p:tgtEl>
-                </p:cond>
-              </p:nextCondLst>
-            </p:seq>
-          </p:childTnLst>
-        </p:cTn>
-      </p:par>
-    </p:tnLst>
-    <p:bldLst>
-      <p:bldP spid="3" grpId="0"/>
-    </p:bldLst>
-  </p:timing>
-</p:sld>
-</file>
-
-<file path=ppt/slides/slide3.xml><?xml version="1.0" encoding="utf-8"?>
 <p:sld xmlns:a="http://schemas.openxmlformats.org/drawingml/2006/main" xmlns:r="http://schemas.openxmlformats.org/officeDocument/2006/relationships" xmlns:p="http://schemas.openxmlformats.org/presentationml/2006/main">
   <p:cSld>
     <p:bg>
@@ -1695,6 +1525,429 @@
     <p:extLst>
       <p:ext uri="{BB962C8B-B14F-4D97-AF65-F5344CB8AC3E}">
         <p14:creationId xmlns:p14="http://schemas.microsoft.com/office/powerpoint/2010/main" val="323312272"/>
+      </p:ext>
+    </p:extLst>
+  </p:cSld>
+  <p:clrMapOvr>
+    <a:masterClrMapping/>
+  </p:clrMapOvr>
+  <p:timing>
+    <p:tnLst>
+      <p:par>
+        <p:cTn id="1" dur="indefinite" restart="never" nodeType="tmRoot"/>
+      </p:par>
+    </p:tnLst>
+  </p:timing>
+</p:sld>
+</file>
+
+<file path=ppt/slides/slide3.xml><?xml version="1.0" encoding="utf-8"?>
+<p:sld xmlns:a="http://schemas.openxmlformats.org/drawingml/2006/main" xmlns:r="http://schemas.openxmlformats.org/officeDocument/2006/relationships" xmlns:p="http://schemas.openxmlformats.org/presentationml/2006/main">
+  <p:cSld>
+    <p:bg>
+      <p:bgPr>
+        <a:gradFill>
+          <a:gsLst>
+            <a:gs pos="0">
+              <a:srgbClr val="FFF200"/>
+            </a:gs>
+            <a:gs pos="45000">
+              <a:srgbClr val="FF7A00"/>
+            </a:gs>
+            <a:gs pos="70000">
+              <a:srgbClr val="FF3399"/>
+            </a:gs>
+            <a:gs pos="100000">
+              <a:srgbClr val="660066"/>
+            </a:gs>
+          </a:gsLst>
+          <a:lin ang="5400000" scaled="0"/>
+        </a:gradFill>
+        <a:effectLst/>
+      </p:bgPr>
+    </p:bg>
+    <p:spTree>
+      <p:nvGrpSpPr>
+        <p:cNvPr id="1" name=""/>
+        <p:cNvGrpSpPr/>
+        <p:nvPr/>
+      </p:nvGrpSpPr>
+      <p:grpSpPr>
+        <a:xfrm>
+          <a:off x="0" y="0"/>
+          <a:ext cx="0" cy="0"/>
+          <a:chOff x="0" y="0"/>
+          <a:chExt cx="0" cy="0"/>
+        </a:xfrm>
+      </p:grpSpPr>
+      <p:sp>
+        <p:nvSpPr>
+          <p:cNvPr id="2" name="TextBox 1"/>
+          <p:cNvSpPr txBox="1"/>
+          <p:nvPr/>
+        </p:nvSpPr>
+        <p:spPr>
+          <a:xfrm>
+            <a:off x="665144" y="384686"/>
+            <a:ext cx="8228782" cy="677108"/>
+          </a:xfrm>
+          <a:prstGeom prst="rect">
+            <a:avLst/>
+          </a:prstGeom>
+          <a:noFill/>
+        </p:spPr>
+        <p:txBody>
+          <a:bodyPr wrap="none" lIns="36000" tIns="0" rIns="36000" bIns="0" rtlCol="0">
+            <a:spAutoFit/>
+          </a:bodyPr>
+          <a:lstStyle/>
+          <a:p>
+            <a:r>
+              <a:rPr lang="en-GB" sz="4400" u="sng" dirty="0" smtClean="0">
+                <a:solidFill>
+                  <a:schemeClr val="bg1"/>
+                </a:solidFill>
+                <a:latin typeface="Comic Sans MS" panose="030F0902030302020204" pitchFamily="66" charset="0"/>
+              </a:rPr>
+              <a:t>How to </a:t>
+            </a:r>
+            <a:r>
+              <a:rPr lang="en-GB" sz="4400" u="sng" smtClean="0">
+                <a:solidFill>
+                  <a:schemeClr val="bg1"/>
+                </a:solidFill>
+                <a:latin typeface="Comic Sans MS" panose="030F0902030302020204" pitchFamily="66" charset="0"/>
+              </a:rPr>
+              <a:t>get </a:t>
+            </a:r>
+            <a:r>
+              <a:rPr lang="en-GB" sz="4400" u="sng" smtClean="0">
+                <a:solidFill>
+                  <a:schemeClr val="bg1"/>
+                </a:solidFill>
+                <a:latin typeface="Comic Sans MS" panose="030F0902030302020204" pitchFamily="66" charset="0"/>
+              </a:rPr>
+              <a:t>a really good score:</a:t>
+            </a:r>
+            <a:endParaRPr lang="en-GB" sz="4400" u="sng" dirty="0">
+              <a:solidFill>
+                <a:schemeClr val="bg1"/>
+              </a:solidFill>
+              <a:latin typeface="Comic Sans MS" panose="030F0902030302020204" pitchFamily="66" charset="0"/>
+            </a:endParaRPr>
+          </a:p>
+        </p:txBody>
+      </p:sp>
+      <p:sp>
+        <p:nvSpPr>
+          <p:cNvPr id="3" name="TextBox 2"/>
+          <p:cNvSpPr txBox="1"/>
+          <p:nvPr/>
+        </p:nvSpPr>
+        <p:spPr>
+          <a:xfrm>
+            <a:off x="1511659" y="2588419"/>
+            <a:ext cx="2988333" cy="3000821"/>
+          </a:xfrm>
+          <a:prstGeom prst="rect">
+            <a:avLst/>
+          </a:prstGeom>
+          <a:noFill/>
+        </p:spPr>
+        <p:txBody>
+          <a:bodyPr wrap="square" lIns="36000" tIns="0" rIns="36000" bIns="0" rtlCol="0">
+            <a:spAutoFit/>
+          </a:bodyPr>
+          <a:lstStyle/>
+          <a:p>
+            <a:pPr marL="361950" indent="-361950">
+              <a:spcBef>
+                <a:spcPts val="600"/>
+              </a:spcBef>
+              <a:buFont typeface="Arial" panose="020B0604020202020204" pitchFamily="34" charset="0"/>
+              <a:buChar char="•"/>
+            </a:pPr>
+            <a:r>
+              <a:rPr lang="en-GB" sz="2000" dirty="0" smtClean="0">
+                <a:solidFill>
+                  <a:schemeClr val="bg1"/>
+                </a:solidFill>
+                <a:latin typeface="Comic Sans MS" panose="030F0902030302020204" pitchFamily="66" charset="0"/>
+              </a:rPr>
+              <a:t>Lots of Movement</a:t>
+            </a:r>
+          </a:p>
+          <a:p>
+            <a:pPr marL="361950" indent="-361950">
+              <a:spcBef>
+                <a:spcPts val="600"/>
+              </a:spcBef>
+              <a:buFont typeface="Arial" panose="020B0604020202020204" pitchFamily="34" charset="0"/>
+              <a:buChar char="•"/>
+            </a:pPr>
+            <a:r>
+              <a:rPr lang="en-GB" sz="2000" dirty="0" smtClean="0">
+                <a:solidFill>
+                  <a:schemeClr val="bg1"/>
+                </a:solidFill>
+                <a:latin typeface="Comic Sans MS" panose="030F0902030302020204" pitchFamily="66" charset="0"/>
+              </a:rPr>
+              <a:t>If/else blocks</a:t>
+            </a:r>
+          </a:p>
+          <a:p>
+            <a:pPr marL="361950" indent="-361950">
+              <a:spcBef>
+                <a:spcPts val="600"/>
+              </a:spcBef>
+              <a:buFont typeface="Arial" panose="020B0604020202020204" pitchFamily="34" charset="0"/>
+              <a:buChar char="•"/>
+            </a:pPr>
+            <a:r>
+              <a:rPr lang="en-GB" sz="2000" dirty="0" smtClean="0">
+                <a:solidFill>
+                  <a:schemeClr val="bg1"/>
+                </a:solidFill>
+                <a:latin typeface="Comic Sans MS" panose="030F0902030302020204" pitchFamily="66" charset="0"/>
+              </a:rPr>
+              <a:t>Repeat blocks</a:t>
+            </a:r>
+          </a:p>
+          <a:p>
+            <a:pPr marL="361950" indent="-361950">
+              <a:spcBef>
+                <a:spcPts val="600"/>
+              </a:spcBef>
+              <a:buFont typeface="Arial" panose="020B0604020202020204" pitchFamily="34" charset="0"/>
+              <a:buChar char="•"/>
+            </a:pPr>
+            <a:r>
+              <a:rPr lang="en-GB" sz="2000" dirty="0" smtClean="0">
+                <a:solidFill>
+                  <a:schemeClr val="bg1"/>
+                </a:solidFill>
+                <a:latin typeface="Comic Sans MS" panose="030F0902030302020204" pitchFamily="66" charset="0"/>
+              </a:rPr>
+              <a:t>Variables</a:t>
+            </a:r>
+          </a:p>
+          <a:p>
+            <a:pPr marL="361950" indent="-361950">
+              <a:spcBef>
+                <a:spcPts val="600"/>
+              </a:spcBef>
+              <a:buFont typeface="Arial" panose="020B0604020202020204" pitchFamily="34" charset="0"/>
+              <a:buChar char="•"/>
+            </a:pPr>
+            <a:r>
+              <a:rPr lang="en-GB" sz="2000" dirty="0" smtClean="0">
+                <a:solidFill>
+                  <a:schemeClr val="bg1"/>
+                </a:solidFill>
+                <a:latin typeface="Comic Sans MS" panose="030F0902030302020204" pitchFamily="66" charset="0"/>
+              </a:rPr>
+              <a:t>Random Numbers</a:t>
+            </a:r>
+          </a:p>
+          <a:p>
+            <a:pPr marL="361950" indent="-361950">
+              <a:spcBef>
+                <a:spcPts val="600"/>
+              </a:spcBef>
+              <a:buFont typeface="Arial" panose="020B0604020202020204" pitchFamily="34" charset="0"/>
+              <a:buChar char="•"/>
+            </a:pPr>
+            <a:r>
+              <a:rPr lang="en-GB" sz="2000" dirty="0" smtClean="0">
+                <a:solidFill>
+                  <a:schemeClr val="bg1"/>
+                </a:solidFill>
+                <a:latin typeface="Comic Sans MS" panose="030F0902030302020204" pitchFamily="66" charset="0"/>
+              </a:rPr>
+              <a:t>Clones</a:t>
+            </a:r>
+          </a:p>
+          <a:p>
+            <a:pPr marL="361950" indent="-361950">
+              <a:spcBef>
+                <a:spcPts val="600"/>
+              </a:spcBef>
+              <a:buFont typeface="Arial" panose="020B0604020202020204" pitchFamily="34" charset="0"/>
+              <a:buChar char="•"/>
+            </a:pPr>
+            <a:r>
+              <a:rPr lang="en-GB" sz="2000" dirty="0" smtClean="0">
+                <a:solidFill>
+                  <a:schemeClr val="bg1"/>
+                </a:solidFill>
+                <a:latin typeface="Comic Sans MS" panose="030F0902030302020204" pitchFamily="66" charset="0"/>
+              </a:rPr>
+              <a:t>Calculations</a:t>
+            </a:r>
+          </a:p>
+          <a:p>
+            <a:pPr marL="361950" indent="-361950">
+              <a:spcBef>
+                <a:spcPts val="600"/>
+              </a:spcBef>
+              <a:buFont typeface="Arial" panose="020B0604020202020204" pitchFamily="34" charset="0"/>
+              <a:buChar char="•"/>
+            </a:pPr>
+            <a:r>
+              <a:rPr lang="en-GB" sz="2000" dirty="0" smtClean="0">
+                <a:solidFill>
+                  <a:schemeClr val="bg1"/>
+                </a:solidFill>
+                <a:latin typeface="Comic Sans MS" panose="030F0902030302020204" pitchFamily="66" charset="0"/>
+              </a:rPr>
+              <a:t>Messages</a:t>
+            </a:r>
+          </a:p>
+        </p:txBody>
+      </p:sp>
+      <p:sp>
+        <p:nvSpPr>
+          <p:cNvPr id="5" name="TextBox 4"/>
+          <p:cNvSpPr txBox="1"/>
+          <p:nvPr/>
+        </p:nvSpPr>
+        <p:spPr>
+          <a:xfrm>
+            <a:off x="933790" y="5733256"/>
+            <a:ext cx="7276419" cy="738664"/>
+          </a:xfrm>
+          <a:prstGeom prst="rect">
+            <a:avLst/>
+          </a:prstGeom>
+          <a:noFill/>
+        </p:spPr>
+        <p:txBody>
+          <a:bodyPr wrap="square" lIns="36000" tIns="0" rIns="36000" bIns="0" rtlCol="0">
+            <a:spAutoFit/>
+          </a:bodyPr>
+          <a:lstStyle/>
+          <a:p>
+            <a:pPr>
+              <a:spcBef>
+                <a:spcPts val="600"/>
+              </a:spcBef>
+            </a:pPr>
+            <a:r>
+              <a:rPr lang="en-GB" sz="2400" dirty="0" smtClean="0">
+                <a:solidFill>
+                  <a:schemeClr val="bg1"/>
+                </a:solidFill>
+                <a:latin typeface="Comic Sans MS" panose="030F0902030302020204" pitchFamily="66" charset="0"/>
+              </a:rPr>
+              <a:t>Try using a Scratch block you have never used before!</a:t>
+            </a:r>
+          </a:p>
+        </p:txBody>
+      </p:sp>
+      <p:sp>
+        <p:nvSpPr>
+          <p:cNvPr id="6" name="TextBox 5"/>
+          <p:cNvSpPr txBox="1"/>
+          <p:nvPr/>
+        </p:nvSpPr>
+        <p:spPr>
+          <a:xfrm>
+            <a:off x="706646" y="1196752"/>
+            <a:ext cx="7276419" cy="1184940"/>
+          </a:xfrm>
+          <a:prstGeom prst="rect">
+            <a:avLst/>
+          </a:prstGeom>
+          <a:noFill/>
+        </p:spPr>
+        <p:txBody>
+          <a:bodyPr wrap="square" lIns="36000" tIns="0" rIns="36000" bIns="0" rtlCol="0">
+            <a:spAutoFit/>
+          </a:bodyPr>
+          <a:lstStyle/>
+          <a:p>
+            <a:pPr>
+              <a:spcBef>
+                <a:spcPts val="600"/>
+              </a:spcBef>
+            </a:pPr>
+            <a:r>
+              <a:rPr lang="en-GB" sz="2400" dirty="0" smtClean="0">
+                <a:solidFill>
+                  <a:schemeClr val="bg1"/>
+                </a:solidFill>
+                <a:latin typeface="Comic Sans MS" panose="030F0902030302020204" pitchFamily="66" charset="0"/>
+              </a:rPr>
+              <a:t>Do really clever coding. This will get more marks than just making nice graphics. </a:t>
+            </a:r>
+          </a:p>
+          <a:p>
+            <a:pPr>
+              <a:spcBef>
+                <a:spcPts val="600"/>
+              </a:spcBef>
+            </a:pPr>
+            <a:r>
+              <a:rPr lang="en-GB" sz="2400" dirty="0" smtClean="0">
+                <a:solidFill>
+                  <a:schemeClr val="bg1"/>
+                </a:solidFill>
+                <a:latin typeface="Comic Sans MS" panose="030F0902030302020204" pitchFamily="66" charset="0"/>
+              </a:rPr>
+              <a:t>Here are some things to include in your code:</a:t>
+            </a:r>
+          </a:p>
+        </p:txBody>
+      </p:sp>
+      <p:sp>
+        <p:nvSpPr>
+          <p:cNvPr id="7" name="TextBox 6"/>
+          <p:cNvSpPr txBox="1"/>
+          <p:nvPr/>
+        </p:nvSpPr>
+        <p:spPr>
+          <a:xfrm>
+            <a:off x="4972872" y="3573016"/>
+            <a:ext cx="2988333" cy="615553"/>
+          </a:xfrm>
+          <a:prstGeom prst="rect">
+            <a:avLst/>
+          </a:prstGeom>
+          <a:noFill/>
+        </p:spPr>
+        <p:txBody>
+          <a:bodyPr wrap="square" lIns="36000" tIns="0" rIns="36000" bIns="0" rtlCol="0">
+            <a:spAutoFit/>
+          </a:bodyPr>
+          <a:lstStyle/>
+          <a:p>
+            <a:pPr>
+              <a:spcBef>
+                <a:spcPts val="600"/>
+              </a:spcBef>
+            </a:pPr>
+            <a:r>
+              <a:rPr lang="en-GB" sz="2000" smtClean="0">
+                <a:solidFill>
+                  <a:schemeClr val="bg1"/>
+                </a:solidFill>
+                <a:latin typeface="Comic Sans MS" panose="030F0902030302020204" pitchFamily="66" charset="0"/>
+              </a:rPr>
+              <a:t>You can use sound as well, if you like.</a:t>
+            </a:r>
+            <a:endParaRPr lang="en-GB" sz="2000" dirty="0" smtClean="0">
+              <a:solidFill>
+                <a:schemeClr val="bg1"/>
+              </a:solidFill>
+              <a:latin typeface="Comic Sans MS" panose="030F0902030302020204" pitchFamily="66" charset="0"/>
+            </a:endParaRPr>
+          </a:p>
+        </p:txBody>
+      </p:sp>
+    </p:spTree>
+    <p:extLst>
+      <p:ext uri="{BB962C8B-B14F-4D97-AF65-F5344CB8AC3E}">
+        <p14:creationId xmlns:p14="http://schemas.microsoft.com/office/powerpoint/2010/main" val="354445001"/>
       </p:ext>
     </p:extLst>
   </p:cSld>
@@ -1758,8 +2011,8 @@
         </p:nvSpPr>
         <p:spPr>
           <a:xfrm>
-            <a:off x="665144" y="384686"/>
-            <a:ext cx="6617765" cy="677108"/>
+            <a:off x="827584" y="384686"/>
+            <a:ext cx="6946380" cy="677108"/>
           </a:xfrm>
           <a:prstGeom prst="rect">
             <a:avLst/>
@@ -1773,418 +2026,22 @@
           <a:lstStyle/>
           <a:p>
             <a:r>
-              <a:rPr lang="en-GB" sz="4400" u="sng" dirty="0" smtClean="0">
-                <a:solidFill>
-                  <a:schemeClr val="bg1"/>
-                </a:solidFill>
-                <a:latin typeface="Comic Sans MS" panose="030F0902030302020204" pitchFamily="66" charset="0"/>
-              </a:rPr>
-              <a:t>How to get lots of marks</a:t>
-            </a:r>
-            <a:endParaRPr lang="en-GB" sz="4400" u="sng" dirty="0">
-              <a:solidFill>
-                <a:schemeClr val="bg1"/>
-              </a:solidFill>
-              <a:latin typeface="Comic Sans MS" panose="030F0902030302020204" pitchFamily="66" charset="0"/>
-            </a:endParaRPr>
-          </a:p>
-        </p:txBody>
-      </p:sp>
-      <p:sp>
-        <p:nvSpPr>
-          <p:cNvPr id="3" name="TextBox 2"/>
-          <p:cNvSpPr txBox="1"/>
-          <p:nvPr/>
-        </p:nvSpPr>
-        <p:spPr>
-          <a:xfrm>
-            <a:off x="1511659" y="2588419"/>
-            <a:ext cx="2988333" cy="3000821"/>
-          </a:xfrm>
-          <a:prstGeom prst="rect">
-            <a:avLst/>
-          </a:prstGeom>
-          <a:noFill/>
-        </p:spPr>
-        <p:txBody>
-          <a:bodyPr wrap="square" lIns="36000" tIns="0" rIns="36000" bIns="0" rtlCol="0">
-            <a:spAutoFit/>
-          </a:bodyPr>
-          <a:lstStyle/>
-          <a:p>
-            <a:pPr marL="361950" indent="-361950">
-              <a:spcBef>
-                <a:spcPts val="600"/>
-              </a:spcBef>
-              <a:buFont typeface="Arial" panose="020B0604020202020204" pitchFamily="34" charset="0"/>
-              <a:buChar char="•"/>
-            </a:pPr>
-            <a:r>
-              <a:rPr lang="en-GB" sz="2000" dirty="0" smtClean="0">
-                <a:solidFill>
-                  <a:schemeClr val="bg1"/>
-                </a:solidFill>
-                <a:latin typeface="Comic Sans MS" panose="030F0902030302020204" pitchFamily="66" charset="0"/>
-              </a:rPr>
-              <a:t>Lots of Movement</a:t>
-            </a:r>
-          </a:p>
-          <a:p>
-            <a:pPr marL="361950" indent="-361950">
-              <a:spcBef>
-                <a:spcPts val="600"/>
-              </a:spcBef>
-              <a:buFont typeface="Arial" panose="020B0604020202020204" pitchFamily="34" charset="0"/>
-              <a:buChar char="•"/>
-            </a:pPr>
-            <a:r>
-              <a:rPr lang="en-GB" sz="2000" dirty="0" smtClean="0">
-                <a:solidFill>
-                  <a:schemeClr val="bg1"/>
-                </a:solidFill>
-                <a:latin typeface="Comic Sans MS" panose="030F0902030302020204" pitchFamily="66" charset="0"/>
-              </a:rPr>
-              <a:t>If/else blocks</a:t>
-            </a:r>
-          </a:p>
-          <a:p>
-            <a:pPr marL="361950" indent="-361950">
-              <a:spcBef>
-                <a:spcPts val="600"/>
-              </a:spcBef>
-              <a:buFont typeface="Arial" panose="020B0604020202020204" pitchFamily="34" charset="0"/>
-              <a:buChar char="•"/>
-            </a:pPr>
-            <a:r>
-              <a:rPr lang="en-GB" sz="2000" dirty="0" smtClean="0">
-                <a:solidFill>
-                  <a:schemeClr val="bg1"/>
-                </a:solidFill>
-                <a:latin typeface="Comic Sans MS" panose="030F0902030302020204" pitchFamily="66" charset="0"/>
-              </a:rPr>
-              <a:t>Repeat blocks</a:t>
-            </a:r>
-          </a:p>
-          <a:p>
-            <a:pPr marL="361950" indent="-361950">
-              <a:spcBef>
-                <a:spcPts val="600"/>
-              </a:spcBef>
-              <a:buFont typeface="Arial" panose="020B0604020202020204" pitchFamily="34" charset="0"/>
-              <a:buChar char="•"/>
-            </a:pPr>
-            <a:r>
-              <a:rPr lang="en-GB" sz="2000" dirty="0" smtClean="0">
-                <a:solidFill>
-                  <a:schemeClr val="bg1"/>
-                </a:solidFill>
-                <a:latin typeface="Comic Sans MS" panose="030F0902030302020204" pitchFamily="66" charset="0"/>
-              </a:rPr>
-              <a:t>Variables</a:t>
-            </a:r>
-          </a:p>
-          <a:p>
-            <a:pPr marL="361950" indent="-361950">
-              <a:spcBef>
-                <a:spcPts val="600"/>
-              </a:spcBef>
-              <a:buFont typeface="Arial" panose="020B0604020202020204" pitchFamily="34" charset="0"/>
-              <a:buChar char="•"/>
-            </a:pPr>
-            <a:r>
-              <a:rPr lang="en-GB" sz="2000" dirty="0" smtClean="0">
-                <a:solidFill>
-                  <a:schemeClr val="bg1"/>
-                </a:solidFill>
-                <a:latin typeface="Comic Sans MS" panose="030F0902030302020204" pitchFamily="66" charset="0"/>
-              </a:rPr>
-              <a:t>Random Numbers</a:t>
-            </a:r>
-          </a:p>
-          <a:p>
-            <a:pPr marL="361950" indent="-361950">
-              <a:spcBef>
-                <a:spcPts val="600"/>
-              </a:spcBef>
-              <a:buFont typeface="Arial" panose="020B0604020202020204" pitchFamily="34" charset="0"/>
-              <a:buChar char="•"/>
-            </a:pPr>
-            <a:r>
-              <a:rPr lang="en-GB" sz="2000" dirty="0" smtClean="0">
-                <a:solidFill>
-                  <a:schemeClr val="bg1"/>
-                </a:solidFill>
-                <a:latin typeface="Comic Sans MS" panose="030F0902030302020204" pitchFamily="66" charset="0"/>
-              </a:rPr>
-              <a:t>Clones</a:t>
-            </a:r>
-          </a:p>
-          <a:p>
-            <a:pPr marL="361950" indent="-361950">
-              <a:spcBef>
-                <a:spcPts val="600"/>
-              </a:spcBef>
-              <a:buFont typeface="Arial" panose="020B0604020202020204" pitchFamily="34" charset="0"/>
-              <a:buChar char="•"/>
-            </a:pPr>
-            <a:r>
-              <a:rPr lang="en-GB" sz="2000" dirty="0" smtClean="0">
-                <a:solidFill>
-                  <a:schemeClr val="bg1"/>
-                </a:solidFill>
-                <a:latin typeface="Comic Sans MS" panose="030F0902030302020204" pitchFamily="66" charset="0"/>
-              </a:rPr>
-              <a:t>Calculations</a:t>
-            </a:r>
-          </a:p>
-          <a:p>
-            <a:pPr marL="361950" indent="-361950">
-              <a:spcBef>
-                <a:spcPts val="600"/>
-              </a:spcBef>
-              <a:buFont typeface="Arial" panose="020B0604020202020204" pitchFamily="34" charset="0"/>
-              <a:buChar char="•"/>
-            </a:pPr>
-            <a:r>
-              <a:rPr lang="en-GB" sz="2000" dirty="0" smtClean="0">
-                <a:solidFill>
-                  <a:schemeClr val="bg1"/>
-                </a:solidFill>
-                <a:latin typeface="Comic Sans MS" panose="030F0902030302020204" pitchFamily="66" charset="0"/>
-              </a:rPr>
-              <a:t>Messages</a:t>
-            </a:r>
-          </a:p>
-        </p:txBody>
-      </p:sp>
-      <p:sp>
-        <p:nvSpPr>
-          <p:cNvPr id="5" name="TextBox 4"/>
-          <p:cNvSpPr txBox="1"/>
-          <p:nvPr/>
-        </p:nvSpPr>
-        <p:spPr>
-          <a:xfrm>
-            <a:off x="933790" y="5733256"/>
-            <a:ext cx="7276419" cy="738664"/>
-          </a:xfrm>
-          <a:prstGeom prst="rect">
-            <a:avLst/>
-          </a:prstGeom>
-          <a:noFill/>
-        </p:spPr>
-        <p:txBody>
-          <a:bodyPr wrap="square" lIns="36000" tIns="0" rIns="36000" bIns="0" rtlCol="0">
-            <a:spAutoFit/>
-          </a:bodyPr>
-          <a:lstStyle/>
-          <a:p>
-            <a:pPr>
-              <a:spcBef>
-                <a:spcPts val="600"/>
-              </a:spcBef>
-            </a:pPr>
-            <a:r>
-              <a:rPr lang="en-GB" sz="2400" dirty="0" smtClean="0">
-                <a:solidFill>
-                  <a:schemeClr val="bg1"/>
-                </a:solidFill>
-                <a:latin typeface="Comic Sans MS" panose="030F0902030302020204" pitchFamily="66" charset="0"/>
-              </a:rPr>
-              <a:t>Try using a Scratch block you have never used before!</a:t>
-            </a:r>
-          </a:p>
-        </p:txBody>
-      </p:sp>
-      <p:sp>
-        <p:nvSpPr>
-          <p:cNvPr id="6" name="TextBox 5"/>
-          <p:cNvSpPr txBox="1"/>
-          <p:nvPr/>
-        </p:nvSpPr>
-        <p:spPr>
-          <a:xfrm>
-            <a:off x="706646" y="1196752"/>
-            <a:ext cx="7276419" cy="1184940"/>
-          </a:xfrm>
-          <a:prstGeom prst="rect">
-            <a:avLst/>
-          </a:prstGeom>
-          <a:noFill/>
-        </p:spPr>
-        <p:txBody>
-          <a:bodyPr wrap="square" lIns="36000" tIns="0" rIns="36000" bIns="0" rtlCol="0">
-            <a:spAutoFit/>
-          </a:bodyPr>
-          <a:lstStyle/>
-          <a:p>
-            <a:pPr>
-              <a:spcBef>
-                <a:spcPts val="600"/>
-              </a:spcBef>
-            </a:pPr>
-            <a:r>
-              <a:rPr lang="en-GB" sz="2400" dirty="0" smtClean="0">
-                <a:solidFill>
-                  <a:schemeClr val="bg1"/>
-                </a:solidFill>
-                <a:latin typeface="Comic Sans MS" panose="030F0902030302020204" pitchFamily="66" charset="0"/>
-              </a:rPr>
-              <a:t>Do really clever coding. This will get more marks than just making nice graphics. </a:t>
-            </a:r>
-          </a:p>
-          <a:p>
-            <a:pPr>
-              <a:spcBef>
-                <a:spcPts val="600"/>
-              </a:spcBef>
-            </a:pPr>
-            <a:r>
-              <a:rPr lang="en-GB" sz="2400" dirty="0" smtClean="0">
-                <a:solidFill>
-                  <a:schemeClr val="bg1"/>
-                </a:solidFill>
-                <a:latin typeface="Comic Sans MS" panose="030F0902030302020204" pitchFamily="66" charset="0"/>
-              </a:rPr>
-              <a:t>Here are some things to include in your code:</a:t>
-            </a:r>
-          </a:p>
-        </p:txBody>
-      </p:sp>
-      <p:sp>
-        <p:nvSpPr>
-          <p:cNvPr id="7" name="TextBox 6"/>
-          <p:cNvSpPr txBox="1"/>
-          <p:nvPr/>
-        </p:nvSpPr>
-        <p:spPr>
-          <a:xfrm>
-            <a:off x="4972872" y="3573016"/>
-            <a:ext cx="2988333" cy="615553"/>
-          </a:xfrm>
-          <a:prstGeom prst="rect">
-            <a:avLst/>
-          </a:prstGeom>
-          <a:noFill/>
-        </p:spPr>
-        <p:txBody>
-          <a:bodyPr wrap="square" lIns="36000" tIns="0" rIns="36000" bIns="0" rtlCol="0">
-            <a:spAutoFit/>
-          </a:bodyPr>
-          <a:lstStyle/>
-          <a:p>
-            <a:pPr>
-              <a:spcBef>
-                <a:spcPts val="600"/>
-              </a:spcBef>
-            </a:pPr>
-            <a:r>
-              <a:rPr lang="en-GB" sz="2000" smtClean="0">
-                <a:solidFill>
-                  <a:schemeClr val="bg1"/>
-                </a:solidFill>
-                <a:latin typeface="Comic Sans MS" panose="030F0902030302020204" pitchFamily="66" charset="0"/>
-              </a:rPr>
-              <a:t>You can use sound as well, if you like.</a:t>
-            </a:r>
-            <a:endParaRPr lang="en-GB" sz="2000" dirty="0" smtClean="0">
-              <a:solidFill>
-                <a:schemeClr val="bg1"/>
-              </a:solidFill>
-              <a:latin typeface="Comic Sans MS" panose="030F0902030302020204" pitchFamily="66" charset="0"/>
-            </a:endParaRPr>
-          </a:p>
-        </p:txBody>
-      </p:sp>
-    </p:spTree>
-    <p:extLst>
-      <p:ext uri="{BB962C8B-B14F-4D97-AF65-F5344CB8AC3E}">
-        <p14:creationId xmlns:p14="http://schemas.microsoft.com/office/powerpoint/2010/main" val="354445001"/>
-      </p:ext>
-    </p:extLst>
-  </p:cSld>
-  <p:clrMapOvr>
-    <a:masterClrMapping/>
-  </p:clrMapOvr>
-  <p:timing>
-    <p:tnLst>
-      <p:par>
-        <p:cTn id="1" dur="indefinite" restart="never" nodeType="tmRoot"/>
-      </p:par>
-    </p:tnLst>
-  </p:timing>
-</p:sld>
-</file>
-
-<file path=ppt/slides/slide5.xml><?xml version="1.0" encoding="utf-8"?>
-<p:sld xmlns:a="http://schemas.openxmlformats.org/drawingml/2006/main" xmlns:r="http://schemas.openxmlformats.org/officeDocument/2006/relationships" xmlns:p="http://schemas.openxmlformats.org/presentationml/2006/main">
-  <p:cSld>
-    <p:bg>
-      <p:bgPr>
-        <a:gradFill>
-          <a:gsLst>
-            <a:gs pos="0">
-              <a:srgbClr val="FFF200"/>
-            </a:gs>
-            <a:gs pos="45000">
-              <a:srgbClr val="FF7A00"/>
-            </a:gs>
-            <a:gs pos="70000">
-              <a:srgbClr val="FF3399"/>
-            </a:gs>
-            <a:gs pos="100000">
-              <a:srgbClr val="660066"/>
-            </a:gs>
-          </a:gsLst>
-          <a:lin ang="5400000" scaled="0"/>
-        </a:gradFill>
-        <a:effectLst/>
-      </p:bgPr>
-    </p:bg>
-    <p:spTree>
-      <p:nvGrpSpPr>
-        <p:cNvPr id="1" name=""/>
-        <p:cNvGrpSpPr/>
-        <p:nvPr/>
-      </p:nvGrpSpPr>
-      <p:grpSpPr>
-        <a:xfrm>
-          <a:off x="0" y="0"/>
-          <a:ext cx="0" cy="0"/>
-          <a:chOff x="0" y="0"/>
-          <a:chExt cx="0" cy="0"/>
-        </a:xfrm>
-      </p:grpSpPr>
-      <p:sp>
-        <p:nvSpPr>
-          <p:cNvPr id="2" name="TextBox 1"/>
-          <p:cNvSpPr txBox="1"/>
-          <p:nvPr/>
-        </p:nvSpPr>
-        <p:spPr>
-          <a:xfrm>
-            <a:off x="827584" y="384686"/>
-            <a:ext cx="6611353" cy="677108"/>
-          </a:xfrm>
-          <a:prstGeom prst="rect">
-            <a:avLst/>
-          </a:prstGeom>
-          <a:noFill/>
-        </p:spPr>
-        <p:txBody>
-          <a:bodyPr wrap="none" lIns="36000" tIns="0" rIns="36000" bIns="0" rtlCol="0">
-            <a:spAutoFit/>
-          </a:bodyPr>
-          <a:lstStyle/>
-          <a:p>
-            <a:r>
-              <a:rPr lang="en-GB" sz="4400" u="sng" dirty="0" smtClean="0">
-                <a:solidFill>
-                  <a:schemeClr val="bg1"/>
-                </a:solidFill>
-                <a:latin typeface="Comic Sans MS" panose="030F0902030302020204" pitchFamily="66" charset="0"/>
-              </a:rPr>
-              <a:t>Judging and prize-giving:</a:t>
+              <a:rPr lang="en-GB" sz="4400" u="sng" smtClean="0">
+                <a:solidFill>
+                  <a:schemeClr val="bg1"/>
+                </a:solidFill>
+                <a:latin typeface="Comic Sans MS" panose="030F0902030302020204" pitchFamily="66" charset="0"/>
+              </a:rPr>
+              <a:t>How to submit your entry</a:t>
+            </a:r>
+            <a:r>
+              <a:rPr lang="en-GB" sz="4400" u="sng" smtClean="0">
+                <a:solidFill>
+                  <a:schemeClr val="bg1"/>
+                </a:solidFill>
+                <a:latin typeface="Comic Sans MS" panose="030F0902030302020204" pitchFamily="66" charset="0"/>
+              </a:rPr>
+              <a:t>:</a:t>
             </a:r>
             <a:endParaRPr lang="en-GB" sz="4400" u="sng" dirty="0">
               <a:solidFill>
@@ -2225,14 +2082,38 @@
               <a:buChar char="•"/>
             </a:pPr>
             <a:r>
-              <a:rPr lang="en-GB" sz="2400" dirty="0" smtClean="0">
-                <a:solidFill>
-                  <a:schemeClr val="bg1"/>
-                </a:solidFill>
-                <a:latin typeface="Comic Sans MS" panose="030F0902030302020204" pitchFamily="66" charset="0"/>
-              </a:rPr>
-              <a:t>The judging will take place on Saturday 14th December, after 11.15am.</a:t>
-            </a:r>
+              <a:rPr lang="en-GB" sz="2400" smtClean="0">
+                <a:solidFill>
+                  <a:schemeClr val="bg1"/>
+                </a:solidFill>
+                <a:latin typeface="Comic Sans MS" panose="030F0902030302020204" pitchFamily="66" charset="0"/>
+              </a:rPr>
+              <a:t>When you have perfected your Scratch animation make sure you </a:t>
+            </a:r>
+            <a:r>
+              <a:rPr lang="en-GB" sz="2400" b="1" smtClean="0">
+                <a:solidFill>
+                  <a:schemeClr val="bg1"/>
+                </a:solidFill>
+                <a:latin typeface="Comic Sans MS" panose="030F0902030302020204" pitchFamily="66" charset="0"/>
+              </a:rPr>
+              <a:t>Share</a:t>
+            </a:r>
+            <a:r>
+              <a:rPr lang="en-GB" sz="2400" smtClean="0">
+                <a:solidFill>
+                  <a:schemeClr val="bg1"/>
+                </a:solidFill>
+                <a:latin typeface="Comic Sans MS" panose="030F0902030302020204" pitchFamily="66" charset="0"/>
+              </a:rPr>
+              <a:t> your project.</a:t>
+            </a:r>
+            <a:endParaRPr lang="en-GB" sz="2400" dirty="0" smtClean="0">
+              <a:solidFill>
+                <a:schemeClr val="bg1"/>
+              </a:solidFill>
+              <a:latin typeface="Comic Sans MS" panose="030F0902030302020204" pitchFamily="66" charset="0"/>
+            </a:endParaRPr>
           </a:p>
           <a:p>
             <a:pPr marL="180975" indent="-180975">
@@ -2243,14 +2124,58 @@
               <a:buChar char="•"/>
             </a:pPr>
             <a:r>
-              <a:rPr lang="en-GB" sz="2400" dirty="0" smtClean="0">
-                <a:solidFill>
-                  <a:schemeClr val="bg1"/>
-                </a:solidFill>
-                <a:latin typeface="Comic Sans MS" panose="030F0902030302020204" pitchFamily="66" charset="0"/>
-              </a:rPr>
-              <a:t>All the entries will be shown on the big screen. You can give a short introduction to your entry if you like.</a:t>
-            </a:r>
+              <a:rPr lang="en-GB" sz="2400" smtClean="0">
+                <a:solidFill>
+                  <a:schemeClr val="bg1"/>
+                </a:solidFill>
+                <a:latin typeface="Comic Sans MS" panose="030F0902030302020204" pitchFamily="66" charset="0"/>
+              </a:rPr>
+              <a:t>Send the link to your shared project to</a:t>
+            </a:r>
+          </a:p>
+          <a:p>
+            <a:pPr marL="180975">
+              <a:spcBef>
+                <a:spcPts val="1200"/>
+              </a:spcBef>
+            </a:pPr>
+            <a:r>
+              <a:rPr lang="en-GB" sz="2400" smtClean="0">
+                <a:solidFill>
+                  <a:srgbClr val="0000FF"/>
+                </a:solidFill>
+                <a:latin typeface="Comic Sans MS" panose="030F0902030302020204" pitchFamily="66" charset="0"/>
+              </a:rPr>
+              <a:t>Elizabeth.McDonald@wokingham.gov.uk</a:t>
+            </a:r>
+            <a:endParaRPr lang="en-GB" sz="2400">
+              <a:solidFill>
+                <a:srgbClr val="0000FF"/>
+              </a:solidFill>
+              <a:latin typeface="Comic Sans MS" panose="030F0902030302020204" pitchFamily="66" charset="0"/>
+            </a:endParaRPr>
+          </a:p>
+          <a:p>
+            <a:pPr marL="180975">
+              <a:spcBef>
+                <a:spcPts val="1200"/>
+              </a:spcBef>
+            </a:pPr>
+            <a:r>
+              <a:rPr lang="en-GB" sz="2400" smtClean="0">
+                <a:solidFill>
+                  <a:schemeClr val="bg1"/>
+                </a:solidFill>
+                <a:latin typeface="Comic Sans MS" panose="030F0902030302020204" pitchFamily="66" charset="0"/>
+              </a:rPr>
+              <a:t>before 5pm on Thursday 17th December 2020.</a:t>
+            </a:r>
+            <a:endParaRPr lang="en-GB" sz="2400" dirty="0" smtClean="0">
+              <a:solidFill>
+                <a:schemeClr val="bg1"/>
+              </a:solidFill>
+              <a:latin typeface="Comic Sans MS" panose="030F0902030302020204" pitchFamily="66" charset="0"/>
+            </a:endParaRPr>
           </a:p>
           <a:p>
             <a:pPr marL="180975" indent="-180975">
@@ -2261,50 +2186,20 @@
               <a:buChar char="•"/>
             </a:pPr>
             <a:r>
-              <a:rPr lang="en-GB" sz="2400" dirty="0" smtClean="0">
-                <a:solidFill>
-                  <a:schemeClr val="bg1"/>
-                </a:solidFill>
-                <a:latin typeface="Comic Sans MS" panose="030F0902030302020204" pitchFamily="66" charset="0"/>
-              </a:rPr>
-              <a:t>All the young coders will be able to give a mark to every entry except their own.</a:t>
-            </a:r>
-          </a:p>
-          <a:p>
-            <a:pPr marL="180975" indent="-180975">
-              <a:spcBef>
-                <a:spcPts val="1200"/>
-              </a:spcBef>
-              <a:buFont typeface="Arial" panose="020B0604020202020204" pitchFamily="34" charset="0"/>
-              <a:buChar char="•"/>
-            </a:pPr>
-            <a:r>
-              <a:rPr lang="en-GB" sz="2400" dirty="0" smtClean="0">
-                <a:solidFill>
-                  <a:schemeClr val="bg1"/>
-                </a:solidFill>
-                <a:latin typeface="Comic Sans MS" panose="030F0902030302020204" pitchFamily="66" charset="0"/>
-              </a:rPr>
-              <a:t>The club organisers will be the other judges.</a:t>
-            </a:r>
-          </a:p>
-          <a:p>
-            <a:pPr marL="180975" indent="-180975">
-              <a:spcBef>
-                <a:spcPts val="1200"/>
-              </a:spcBef>
-              <a:buFont typeface="Arial" panose="020B0604020202020204" pitchFamily="34" charset="0"/>
-              <a:buChar char="•"/>
-            </a:pPr>
-            <a:r>
-              <a:rPr lang="en-GB" sz="2400" dirty="0" smtClean="0">
-                <a:solidFill>
-                  <a:schemeClr val="bg1"/>
-                </a:solidFill>
-                <a:latin typeface="Comic Sans MS" panose="030F0902030302020204" pitchFamily="66" charset="0"/>
-              </a:rPr>
-              <a:t>The prizes will be awarded at the end.</a:t>
-            </a:r>
+              <a:rPr lang="en-GB" sz="2400" smtClean="0">
+                <a:solidFill>
+                  <a:schemeClr val="bg1"/>
+                </a:solidFill>
+                <a:latin typeface="Comic Sans MS" panose="030F0902030302020204" pitchFamily="66" charset="0"/>
+              </a:rPr>
+              <a:t>The code club organisers will look at all the entries and decide the scores before the online Scratch session on Saturday 19th December 2020.</a:t>
+            </a:r>
+            <a:endParaRPr lang="en-GB" sz="2400" dirty="0" smtClean="0">
+              <a:solidFill>
+                <a:schemeClr val="bg1"/>
+              </a:solidFill>
+              <a:latin typeface="Comic Sans MS" panose="030F0902030302020204" pitchFamily="66" charset="0"/>
+            </a:endParaRPr>
           </a:p>
         </p:txBody>
       </p:sp>
@@ -2599,7 +2494,795 @@
 </p:sld>
 </file>
 
+<file path=ppt/slides/slide5.xml><?xml version="1.0" encoding="utf-8"?>
+<p:sld xmlns:a="http://schemas.openxmlformats.org/drawingml/2006/main" xmlns:r="http://schemas.openxmlformats.org/officeDocument/2006/relationships" xmlns:p="http://schemas.openxmlformats.org/presentationml/2006/main">
+  <p:cSld>
+    <p:bg>
+      <p:bgPr>
+        <a:gradFill>
+          <a:gsLst>
+            <a:gs pos="0">
+              <a:srgbClr val="FFF200"/>
+            </a:gs>
+            <a:gs pos="45000">
+              <a:srgbClr val="FF7A00"/>
+            </a:gs>
+            <a:gs pos="70000">
+              <a:srgbClr val="FF3399"/>
+            </a:gs>
+            <a:gs pos="100000">
+              <a:srgbClr val="660066"/>
+            </a:gs>
+          </a:gsLst>
+          <a:lin ang="5400000" scaled="0"/>
+        </a:gradFill>
+        <a:effectLst/>
+      </p:bgPr>
+    </p:bg>
+    <p:spTree>
+      <p:nvGrpSpPr>
+        <p:cNvPr id="1" name=""/>
+        <p:cNvGrpSpPr/>
+        <p:nvPr/>
+      </p:nvGrpSpPr>
+      <p:grpSpPr>
+        <a:xfrm>
+          <a:off x="0" y="0"/>
+          <a:ext cx="0" cy="0"/>
+          <a:chOff x="0" y="0"/>
+          <a:chExt cx="0" cy="0"/>
+        </a:xfrm>
+      </p:grpSpPr>
+      <p:sp>
+        <p:nvSpPr>
+          <p:cNvPr id="2" name="TextBox 1"/>
+          <p:cNvSpPr txBox="1"/>
+          <p:nvPr/>
+        </p:nvSpPr>
+        <p:spPr>
+          <a:xfrm>
+            <a:off x="827584" y="384686"/>
+            <a:ext cx="5386658" cy="677108"/>
+          </a:xfrm>
+          <a:prstGeom prst="rect">
+            <a:avLst/>
+          </a:prstGeom>
+          <a:noFill/>
+        </p:spPr>
+        <p:txBody>
+          <a:bodyPr wrap="none" lIns="36000" tIns="0" rIns="36000" bIns="0" rtlCol="0">
+            <a:spAutoFit/>
+          </a:bodyPr>
+          <a:lstStyle/>
+          <a:p>
+            <a:r>
+              <a:rPr lang="en-GB" sz="4400" u="sng" dirty="0" smtClean="0">
+                <a:solidFill>
+                  <a:schemeClr val="bg1"/>
+                </a:solidFill>
+                <a:latin typeface="Comic Sans MS" panose="030F0902030302020204" pitchFamily="66" charset="0"/>
+              </a:rPr>
+              <a:t>Judging </a:t>
+            </a:r>
+            <a:r>
+              <a:rPr lang="en-GB" sz="4400" u="sng" smtClean="0">
+                <a:solidFill>
+                  <a:schemeClr val="bg1"/>
+                </a:solidFill>
+                <a:latin typeface="Comic Sans MS" panose="030F0902030302020204" pitchFamily="66" charset="0"/>
+              </a:rPr>
+              <a:t>and </a:t>
+            </a:r>
+            <a:r>
+              <a:rPr lang="en-GB" sz="4400" u="sng" smtClean="0">
+                <a:solidFill>
+                  <a:schemeClr val="bg1"/>
+                </a:solidFill>
+                <a:latin typeface="Comic Sans MS" panose="030F0902030302020204" pitchFamily="66" charset="0"/>
+              </a:rPr>
+              <a:t>awards:</a:t>
+            </a:r>
+            <a:endParaRPr lang="en-GB" sz="4400" u="sng" dirty="0">
+              <a:solidFill>
+                <a:schemeClr val="bg1"/>
+              </a:solidFill>
+              <a:latin typeface="Comic Sans MS" panose="030F0902030302020204" pitchFamily="66" charset="0"/>
+            </a:endParaRPr>
+          </a:p>
+        </p:txBody>
+      </p:sp>
+      <p:sp>
+        <p:nvSpPr>
+          <p:cNvPr id="6" name="TextBox 5"/>
+          <p:cNvSpPr txBox="1"/>
+          <p:nvPr/>
+        </p:nvSpPr>
+        <p:spPr>
+          <a:xfrm>
+            <a:off x="706646" y="1361668"/>
+            <a:ext cx="7276419" cy="3631763"/>
+          </a:xfrm>
+          <a:prstGeom prst="rect">
+            <a:avLst/>
+          </a:prstGeom>
+          <a:noFill/>
+        </p:spPr>
+        <p:txBody>
+          <a:bodyPr wrap="square" lIns="36000" tIns="0" rIns="36000" bIns="0" rtlCol="0">
+            <a:spAutoFit/>
+          </a:bodyPr>
+          <a:lstStyle/>
+          <a:p>
+            <a:pPr marL="180975" indent="-180975">
+              <a:spcBef>
+                <a:spcPts val="1200"/>
+              </a:spcBef>
+              <a:buFont typeface="Arial" panose="020B0604020202020204" pitchFamily="34" charset="0"/>
+              <a:buChar char="•"/>
+            </a:pPr>
+            <a:r>
+              <a:rPr lang="en-GB" sz="2400" smtClean="0">
+                <a:solidFill>
+                  <a:schemeClr val="bg1"/>
+                </a:solidFill>
+                <a:latin typeface="Comic Sans MS" panose="030F0902030302020204" pitchFamily="66" charset="0"/>
+              </a:rPr>
+              <a:t>At theScratch session on </a:t>
+            </a:r>
+            <a:r>
+              <a:rPr lang="en-GB" sz="2400" smtClean="0">
+                <a:solidFill>
+                  <a:schemeClr val="bg1"/>
+                </a:solidFill>
+                <a:latin typeface="Comic Sans MS" panose="030F0902030302020204" pitchFamily="66" charset="0"/>
+              </a:rPr>
+              <a:t>Saturday </a:t>
+            </a:r>
+            <a:r>
+              <a:rPr lang="en-GB" sz="2400" smtClean="0">
+                <a:solidFill>
+                  <a:schemeClr val="bg1"/>
+                </a:solidFill>
+                <a:latin typeface="Comic Sans MS" panose="030F0902030302020204" pitchFamily="66" charset="0"/>
+              </a:rPr>
+              <a:t>19th December 2020 all </a:t>
+            </a:r>
+            <a:r>
+              <a:rPr lang="en-GB" sz="2400" dirty="0" smtClean="0">
+                <a:solidFill>
+                  <a:schemeClr val="bg1"/>
+                </a:solidFill>
+                <a:latin typeface="Comic Sans MS" panose="030F0902030302020204" pitchFamily="66" charset="0"/>
+              </a:rPr>
+              <a:t>the entries will be </a:t>
+            </a:r>
+            <a:r>
+              <a:rPr lang="en-GB" sz="2400" smtClean="0">
+                <a:solidFill>
+                  <a:schemeClr val="bg1"/>
+                </a:solidFill>
+                <a:latin typeface="Comic Sans MS" panose="030F0902030302020204" pitchFamily="66" charset="0"/>
+              </a:rPr>
+              <a:t>shown </a:t>
+            </a:r>
+            <a:r>
+              <a:rPr lang="en-GB" sz="2400" smtClean="0">
+                <a:solidFill>
+                  <a:schemeClr val="bg1"/>
+                </a:solidFill>
+                <a:latin typeface="Comic Sans MS" panose="030F0902030302020204" pitchFamily="66" charset="0"/>
+              </a:rPr>
+              <a:t>to everyone, using Microsoft Teams Share Screen. </a:t>
+            </a:r>
+            <a:r>
+              <a:rPr lang="en-GB" sz="2400" dirty="0" smtClean="0">
+                <a:solidFill>
+                  <a:schemeClr val="bg1"/>
+                </a:solidFill>
+                <a:latin typeface="Comic Sans MS" panose="030F0902030302020204" pitchFamily="66" charset="0"/>
+              </a:rPr>
+              <a:t>You can give a short introduction to your entry if you like.</a:t>
+            </a:r>
+          </a:p>
+          <a:p>
+            <a:pPr marL="180975" indent="-180975">
+              <a:spcBef>
+                <a:spcPts val="1200"/>
+              </a:spcBef>
+              <a:buFont typeface="Arial" panose="020B0604020202020204" pitchFamily="34" charset="0"/>
+              <a:buChar char="•"/>
+            </a:pPr>
+            <a:r>
+              <a:rPr lang="en-GB" sz="2400" smtClean="0">
+                <a:solidFill>
+                  <a:schemeClr val="bg1"/>
+                </a:solidFill>
+                <a:latin typeface="Comic Sans MS" panose="030F0902030302020204" pitchFamily="66" charset="0"/>
+              </a:rPr>
+              <a:t>At the end we will announce the results.</a:t>
+            </a:r>
+            <a:endParaRPr lang="en-GB" sz="2400" dirty="0" smtClean="0">
+              <a:solidFill>
+                <a:schemeClr val="bg1"/>
+              </a:solidFill>
+              <a:latin typeface="Comic Sans MS" panose="030F0902030302020204" pitchFamily="66" charset="0"/>
+            </a:endParaRPr>
+          </a:p>
+          <a:p>
+            <a:pPr marL="180975" indent="-180975">
+              <a:spcBef>
+                <a:spcPts val="1200"/>
+              </a:spcBef>
+              <a:buFont typeface="Arial" panose="020B0604020202020204" pitchFamily="34" charset="0"/>
+              <a:buChar char="•"/>
+            </a:pPr>
+            <a:r>
+              <a:rPr lang="en-GB" sz="2400" smtClean="0">
+                <a:solidFill>
+                  <a:schemeClr val="bg1"/>
+                </a:solidFill>
+                <a:latin typeface="Comic Sans MS" panose="030F0902030302020204" pitchFamily="66" charset="0"/>
+              </a:rPr>
+              <a:t>We will send out certificates to the best entries, but unfortunately it won’t be possible to give any prizes this year.</a:t>
+            </a:r>
+            <a:endParaRPr lang="en-GB" sz="2400" dirty="0" smtClean="0">
+              <a:solidFill>
+                <a:schemeClr val="bg1"/>
+              </a:solidFill>
+              <a:latin typeface="Comic Sans MS" panose="030F0902030302020204" pitchFamily="66" charset="0"/>
+            </a:endParaRPr>
+          </a:p>
+        </p:txBody>
+      </p:sp>
+    </p:spTree>
+    <p:extLst>
+      <p:ext uri="{BB962C8B-B14F-4D97-AF65-F5344CB8AC3E}">
+        <p14:creationId xmlns:p14="http://schemas.microsoft.com/office/powerpoint/2010/main" val="61141184"/>
+      </p:ext>
+    </p:extLst>
+  </p:cSld>
+  <p:clrMapOvr>
+    <a:masterClrMapping/>
+  </p:clrMapOvr>
+  <p:timing>
+    <p:tnLst>
+      <p:par>
+        <p:cTn id="1" dur="indefinite" restart="never" nodeType="tmRoot">
+          <p:childTnLst>
+            <p:seq concurrent="1" nextAc="seek">
+              <p:cTn id="2" dur="indefinite" nodeType="mainSeq">
+                <p:childTnLst>
+                  <p:par>
+                    <p:cTn id="3" fill="hold">
+                      <p:stCondLst>
+                        <p:cond delay="indefinite"/>
+                      </p:stCondLst>
+                      <p:childTnLst>
+                        <p:par>
+                          <p:cTn id="4" fill="hold">
+                            <p:stCondLst>
+                              <p:cond delay="0"/>
+                            </p:stCondLst>
+                            <p:childTnLst>
+                              <p:par>
+                                <p:cTn id="5" presetID="1" presetClass="entr" presetSubtype="0" fill="hold" grpId="0" nodeType="clickEffect">
+                                  <p:stCondLst>
+                                    <p:cond delay="0"/>
+                                  </p:stCondLst>
+                                  <p:childTnLst>
+                                    <p:set>
+                                      <p:cBhvr>
+                                        <p:cTn id="6" dur="1" fill="hold">
+                                          <p:stCondLst>
+                                            <p:cond delay="0"/>
+                                          </p:stCondLst>
+                                        </p:cTn>
+                                        <p:tgtEl>
+                                          <p:spTgt spid="6">
+                                            <p:txEl>
+                                              <p:pRg st="0" end="0"/>
+                                            </p:txEl>
+                                          </p:spTgt>
+                                        </p:tgtEl>
+                                        <p:attrNameLst>
+                                          <p:attrName>style.visibility</p:attrName>
+                                        </p:attrNameLst>
+                                      </p:cBhvr>
+                                      <p:to>
+                                        <p:strVal val="visible"/>
+                                      </p:to>
+                                    </p:set>
+                                  </p:childTnLst>
+                                </p:cTn>
+                              </p:par>
+                            </p:childTnLst>
+                          </p:cTn>
+                        </p:par>
+                      </p:childTnLst>
+                    </p:cTn>
+                  </p:par>
+                  <p:par>
+                    <p:cTn id="7" fill="hold">
+                      <p:stCondLst>
+                        <p:cond delay="indefinite"/>
+                      </p:stCondLst>
+                      <p:childTnLst>
+                        <p:par>
+                          <p:cTn id="8" fill="hold">
+                            <p:stCondLst>
+                              <p:cond delay="0"/>
+                            </p:stCondLst>
+                            <p:childTnLst>
+                              <p:par>
+                                <p:cTn id="9" presetID="1" presetClass="entr" presetSubtype="0" fill="hold" grpId="0" nodeType="clickEffect">
+                                  <p:stCondLst>
+                                    <p:cond delay="0"/>
+                                  </p:stCondLst>
+                                  <p:childTnLst>
+                                    <p:set>
+                                      <p:cBhvr>
+                                        <p:cTn id="10" dur="1" fill="hold">
+                                          <p:stCondLst>
+                                            <p:cond delay="0"/>
+                                          </p:stCondLst>
+                                        </p:cTn>
+                                        <p:tgtEl>
+                                          <p:spTgt spid="6">
+                                            <p:txEl>
+                                              <p:pRg st="1" end="1"/>
+                                            </p:txEl>
+                                          </p:spTgt>
+                                        </p:tgtEl>
+                                        <p:attrNameLst>
+                                          <p:attrName>style.visibility</p:attrName>
+                                        </p:attrNameLst>
+                                      </p:cBhvr>
+                                      <p:to>
+                                        <p:strVal val="visible"/>
+                                      </p:to>
+                                    </p:set>
+                                  </p:childTnLst>
+                                </p:cTn>
+                              </p:par>
+                            </p:childTnLst>
+                          </p:cTn>
+                        </p:par>
+                      </p:childTnLst>
+                    </p:cTn>
+                  </p:par>
+                  <p:par>
+                    <p:cTn id="11" fill="hold">
+                      <p:stCondLst>
+                        <p:cond delay="indefinite"/>
+                      </p:stCondLst>
+                      <p:childTnLst>
+                        <p:par>
+                          <p:cTn id="12" fill="hold">
+                            <p:stCondLst>
+                              <p:cond delay="0"/>
+                            </p:stCondLst>
+                            <p:childTnLst>
+                              <p:par>
+                                <p:cTn id="13" presetID="1" presetClass="entr" presetSubtype="0" fill="hold" grpId="0" nodeType="clickEffect">
+                                  <p:stCondLst>
+                                    <p:cond delay="0"/>
+                                  </p:stCondLst>
+                                  <p:childTnLst>
+                                    <p:set>
+                                      <p:cBhvr>
+                                        <p:cTn id="14" dur="1" fill="hold">
+                                          <p:stCondLst>
+                                            <p:cond delay="0"/>
+                                          </p:stCondLst>
+                                        </p:cTn>
+                                        <p:tgtEl>
+                                          <p:spTgt spid="6">
+                                            <p:txEl>
+                                              <p:pRg st="2" end="2"/>
+                                            </p:txEl>
+                                          </p:spTgt>
+                                        </p:tgtEl>
+                                        <p:attrNameLst>
+                                          <p:attrName>style.visibility</p:attrName>
+                                        </p:attrNameLst>
+                                      </p:cBhvr>
+                                      <p:to>
+                                        <p:strVal val="visible"/>
+                                      </p:to>
+                                    </p:set>
+                                  </p:childTnLst>
+                                </p:cTn>
+                              </p:par>
+                            </p:childTnLst>
+                          </p:cTn>
+                        </p:par>
+                      </p:childTnLst>
+                    </p:cTn>
+                  </p:par>
+                </p:childTnLst>
+              </p:cTn>
+              <p:prevCondLst>
+                <p:cond evt="onPrev" delay="0">
+                  <p:tgtEl>
+                    <p:sldTgt/>
+                  </p:tgtEl>
+                </p:cond>
+              </p:prevCondLst>
+              <p:nextCondLst>
+                <p:cond evt="onNext" delay="0">
+                  <p:tgtEl>
+                    <p:sldTgt/>
+                  </p:tgtEl>
+                </p:cond>
+              </p:nextCondLst>
+            </p:seq>
+          </p:childTnLst>
+        </p:cTn>
+      </p:par>
+    </p:tnLst>
+    <p:bldLst>
+      <p:bldP spid="6" grpId="0" build="p"/>
+    </p:bldLst>
+  </p:timing>
+</p:sld>
+</file>
+
 <file path=ppt/slides/slide6.xml><?xml version="1.0" encoding="utf-8"?>
+<p:sld xmlns:a="http://schemas.openxmlformats.org/drawingml/2006/main" xmlns:r="http://schemas.openxmlformats.org/officeDocument/2006/relationships" xmlns:p="http://schemas.openxmlformats.org/presentationml/2006/main">
+  <p:cSld>
+    <p:bg>
+      <p:bgPr>
+        <a:gradFill>
+          <a:gsLst>
+            <a:gs pos="0">
+              <a:srgbClr val="FFF200"/>
+            </a:gs>
+            <a:gs pos="45000">
+              <a:srgbClr val="FF7A00"/>
+            </a:gs>
+            <a:gs pos="70000">
+              <a:srgbClr val="FF3399"/>
+            </a:gs>
+            <a:gs pos="100000">
+              <a:srgbClr val="660066"/>
+            </a:gs>
+          </a:gsLst>
+          <a:lin ang="5400000" scaled="0"/>
+        </a:gradFill>
+        <a:effectLst/>
+      </p:bgPr>
+    </p:bg>
+    <p:spTree>
+      <p:nvGrpSpPr>
+        <p:cNvPr id="1" name=""/>
+        <p:cNvGrpSpPr/>
+        <p:nvPr/>
+      </p:nvGrpSpPr>
+      <p:grpSpPr>
+        <a:xfrm>
+          <a:off x="0" y="0"/>
+          <a:ext cx="0" cy="0"/>
+          <a:chOff x="0" y="0"/>
+          <a:chExt cx="0" cy="0"/>
+        </a:xfrm>
+      </p:grpSpPr>
+      <p:sp>
+        <p:nvSpPr>
+          <p:cNvPr id="2" name="TextBox 1"/>
+          <p:cNvSpPr txBox="1"/>
+          <p:nvPr/>
+        </p:nvSpPr>
+        <p:spPr>
+          <a:xfrm>
+            <a:off x="827584" y="384686"/>
+            <a:ext cx="4634849" cy="677108"/>
+          </a:xfrm>
+          <a:prstGeom prst="rect">
+            <a:avLst/>
+          </a:prstGeom>
+          <a:noFill/>
+        </p:spPr>
+        <p:txBody>
+          <a:bodyPr wrap="none" lIns="36000" tIns="0" rIns="36000" bIns="0" rtlCol="0">
+            <a:spAutoFit/>
+          </a:bodyPr>
+          <a:lstStyle/>
+          <a:p>
+            <a:r>
+              <a:rPr lang="en-GB" sz="4400" u="sng" smtClean="0">
+                <a:solidFill>
+                  <a:schemeClr val="bg1"/>
+                </a:solidFill>
+                <a:latin typeface="Comic Sans MS" panose="030F0902030302020204" pitchFamily="66" charset="0"/>
+              </a:rPr>
+              <a:t>Stuck for ideas?</a:t>
+            </a:r>
+            <a:endParaRPr lang="en-GB" sz="4400" u="sng" dirty="0">
+              <a:solidFill>
+                <a:schemeClr val="bg1"/>
+              </a:solidFill>
+              <a:latin typeface="Comic Sans MS" panose="030F0902030302020204" pitchFamily="66" charset="0"/>
+            </a:endParaRPr>
+          </a:p>
+        </p:txBody>
+      </p:sp>
+      <p:sp>
+        <p:nvSpPr>
+          <p:cNvPr id="6" name="TextBox 5"/>
+          <p:cNvSpPr txBox="1"/>
+          <p:nvPr/>
+        </p:nvSpPr>
+        <p:spPr>
+          <a:xfrm>
+            <a:off x="706646" y="1361668"/>
+            <a:ext cx="7276419" cy="4001095"/>
+          </a:xfrm>
+          <a:prstGeom prst="rect">
+            <a:avLst/>
+          </a:prstGeom>
+          <a:noFill/>
+        </p:spPr>
+        <p:txBody>
+          <a:bodyPr wrap="square" lIns="36000" tIns="0" rIns="36000" bIns="0" rtlCol="0">
+            <a:spAutoFit/>
+          </a:bodyPr>
+          <a:lstStyle/>
+          <a:p>
+            <a:pPr marL="180975" indent="-180975">
+              <a:spcBef>
+                <a:spcPts val="1200"/>
+              </a:spcBef>
+              <a:buFont typeface="Arial" panose="020B0604020202020204" pitchFamily="34" charset="0"/>
+              <a:buChar char="•"/>
+            </a:pPr>
+            <a:r>
+              <a:rPr lang="en-GB" sz="2400" smtClean="0">
+                <a:solidFill>
+                  <a:schemeClr val="bg1"/>
+                </a:solidFill>
+                <a:latin typeface="Comic Sans MS" panose="030F0902030302020204" pitchFamily="66" charset="0"/>
+              </a:rPr>
+              <a:t>We have put together a couple of Scratch starter projects with lots of sprites and backdrops which might help you with ideas. These are shown on the next couple of slides:</a:t>
+            </a:r>
+          </a:p>
+          <a:p>
+            <a:pPr marL="457200" indent="-457200">
+              <a:spcBef>
+                <a:spcPts val="1200"/>
+              </a:spcBef>
+              <a:buFont typeface="+mj-lt"/>
+              <a:buAutoNum type="arabicPeriod"/>
+            </a:pPr>
+            <a:r>
+              <a:rPr lang="en-GB" sz="2400" smtClean="0">
+                <a:solidFill>
+                  <a:schemeClr val="bg1"/>
+                </a:solidFill>
+                <a:latin typeface="Comic Sans MS" panose="030F0902030302020204" pitchFamily="66" charset="0"/>
+              </a:rPr>
+              <a:t>Decorate a Christmas tree - make lots of decorations and lights and have them move into position on the tree</a:t>
+            </a:r>
+          </a:p>
+          <a:p>
+            <a:pPr marL="457200" indent="-457200">
+              <a:spcBef>
+                <a:spcPts val="1200"/>
+              </a:spcBef>
+              <a:buFont typeface="+mj-lt"/>
+              <a:buAutoNum type="arabicPeriod"/>
+            </a:pPr>
+            <a:r>
+              <a:rPr lang="en-GB" sz="2400" smtClean="0">
+                <a:solidFill>
+                  <a:schemeClr val="bg1"/>
+                </a:solidFill>
+                <a:latin typeface="Comic Sans MS" panose="030F0902030302020204" pitchFamily="66" charset="0"/>
+              </a:rPr>
+              <a:t>Create an animated winter scene - use sprites of winter-related items and animate them - perhaps you could make falling snow!</a:t>
+            </a:r>
+            <a:endParaRPr lang="en-GB" sz="2400" dirty="0" smtClean="0">
+              <a:solidFill>
+                <a:schemeClr val="bg1"/>
+              </a:solidFill>
+              <a:latin typeface="Comic Sans MS" panose="030F0902030302020204" pitchFamily="66" charset="0"/>
+            </a:endParaRPr>
+          </a:p>
+        </p:txBody>
+      </p:sp>
+    </p:spTree>
+    <p:extLst>
+      <p:ext uri="{BB962C8B-B14F-4D97-AF65-F5344CB8AC3E}">
+        <p14:creationId xmlns:p14="http://schemas.microsoft.com/office/powerpoint/2010/main" val="2975423860"/>
+      </p:ext>
+    </p:extLst>
+  </p:cSld>
+  <p:clrMapOvr>
+    <a:masterClrMapping/>
+  </p:clrMapOvr>
+  <p:timing>
+    <p:tnLst>
+      <p:par>
+        <p:cTn id="1" dur="indefinite" restart="never" nodeType="tmRoot">
+          <p:childTnLst>
+            <p:seq concurrent="1" nextAc="seek">
+              <p:cTn id="2" dur="indefinite" nodeType="mainSeq">
+                <p:childTnLst>
+                  <p:par>
+                    <p:cTn id="3" fill="hold">
+                      <p:stCondLst>
+                        <p:cond delay="indefinite"/>
+                      </p:stCondLst>
+                      <p:childTnLst>
+                        <p:par>
+                          <p:cTn id="4" fill="hold">
+                            <p:stCondLst>
+                              <p:cond delay="0"/>
+                            </p:stCondLst>
+                            <p:childTnLst>
+                              <p:par>
+                                <p:cTn id="5" presetID="1" presetClass="entr" presetSubtype="0" fill="hold" grpId="0" nodeType="clickEffect">
+                                  <p:stCondLst>
+                                    <p:cond delay="0"/>
+                                  </p:stCondLst>
+                                  <p:childTnLst>
+                                    <p:set>
+                                      <p:cBhvr>
+                                        <p:cTn id="6" dur="1" fill="hold">
+                                          <p:stCondLst>
+                                            <p:cond delay="0"/>
+                                          </p:stCondLst>
+                                        </p:cTn>
+                                        <p:tgtEl>
+                                          <p:spTgt spid="6">
+                                            <p:txEl>
+                                              <p:pRg st="0" end="0"/>
+                                            </p:txEl>
+                                          </p:spTgt>
+                                        </p:tgtEl>
+                                        <p:attrNameLst>
+                                          <p:attrName>style.visibility</p:attrName>
+                                        </p:attrNameLst>
+                                      </p:cBhvr>
+                                      <p:to>
+                                        <p:strVal val="visible"/>
+                                      </p:to>
+                                    </p:set>
+                                  </p:childTnLst>
+                                </p:cTn>
+                              </p:par>
+                            </p:childTnLst>
+                          </p:cTn>
+                        </p:par>
+                      </p:childTnLst>
+                    </p:cTn>
+                  </p:par>
+                  <p:par>
+                    <p:cTn id="7" fill="hold">
+                      <p:stCondLst>
+                        <p:cond delay="indefinite"/>
+                      </p:stCondLst>
+                      <p:childTnLst>
+                        <p:par>
+                          <p:cTn id="8" fill="hold">
+                            <p:stCondLst>
+                              <p:cond delay="0"/>
+                            </p:stCondLst>
+                            <p:childTnLst>
+                              <p:par>
+                                <p:cTn id="9" presetID="1" presetClass="entr" presetSubtype="0" fill="hold" grpId="0" nodeType="clickEffect">
+                                  <p:stCondLst>
+                                    <p:cond delay="0"/>
+                                  </p:stCondLst>
+                                  <p:childTnLst>
+                                    <p:set>
+                                      <p:cBhvr>
+                                        <p:cTn id="10" dur="1" fill="hold">
+                                          <p:stCondLst>
+                                            <p:cond delay="0"/>
+                                          </p:stCondLst>
+                                        </p:cTn>
+                                        <p:tgtEl>
+                                          <p:spTgt spid="6">
+                                            <p:txEl>
+                                              <p:pRg st="1" end="1"/>
+                                            </p:txEl>
+                                          </p:spTgt>
+                                        </p:tgtEl>
+                                        <p:attrNameLst>
+                                          <p:attrName>style.visibility</p:attrName>
+                                        </p:attrNameLst>
+                                      </p:cBhvr>
+                                      <p:to>
+                                        <p:strVal val="visible"/>
+                                      </p:to>
+                                    </p:set>
+                                  </p:childTnLst>
+                                </p:cTn>
+                              </p:par>
+                            </p:childTnLst>
+                          </p:cTn>
+                        </p:par>
+                      </p:childTnLst>
+                    </p:cTn>
+                  </p:par>
+                  <p:par>
+                    <p:cTn id="11" fill="hold">
+                      <p:stCondLst>
+                        <p:cond delay="indefinite"/>
+                      </p:stCondLst>
+                      <p:childTnLst>
+                        <p:par>
+                          <p:cTn id="12" fill="hold">
+                            <p:stCondLst>
+                              <p:cond delay="0"/>
+                            </p:stCondLst>
+                            <p:childTnLst>
+                              <p:par>
+                                <p:cTn id="13" presetID="1" presetClass="entr" presetSubtype="0" fill="hold" grpId="0" nodeType="clickEffect">
+                                  <p:stCondLst>
+                                    <p:cond delay="0"/>
+                                  </p:stCondLst>
+                                  <p:childTnLst>
+                                    <p:set>
+                                      <p:cBhvr>
+                                        <p:cTn id="14" dur="1" fill="hold">
+                                          <p:stCondLst>
+                                            <p:cond delay="0"/>
+                                          </p:stCondLst>
+                                        </p:cTn>
+                                        <p:tgtEl>
+                                          <p:spTgt spid="6">
+                                            <p:txEl>
+                                              <p:pRg st="2" end="2"/>
+                                            </p:txEl>
+                                          </p:spTgt>
+                                        </p:tgtEl>
+                                        <p:attrNameLst>
+                                          <p:attrName>style.visibility</p:attrName>
+                                        </p:attrNameLst>
+                                      </p:cBhvr>
+                                      <p:to>
+                                        <p:strVal val="visible"/>
+                                      </p:to>
+                                    </p:set>
+                                  </p:childTnLst>
+                                </p:cTn>
+                              </p:par>
+                            </p:childTnLst>
+                          </p:cTn>
+                        </p:par>
+                      </p:childTnLst>
+                    </p:cTn>
+                  </p:par>
+                </p:childTnLst>
+              </p:cTn>
+              <p:prevCondLst>
+                <p:cond evt="onPrev" delay="0">
+                  <p:tgtEl>
+                    <p:sldTgt/>
+                  </p:tgtEl>
+                </p:cond>
+              </p:prevCondLst>
+              <p:nextCondLst>
+                <p:cond evt="onNext" delay="0">
+                  <p:tgtEl>
+                    <p:sldTgt/>
+                  </p:tgtEl>
+                </p:cond>
+              </p:nextCondLst>
+            </p:seq>
+          </p:childTnLst>
+        </p:cTn>
+      </p:par>
+    </p:tnLst>
+    <p:bldLst>
+      <p:bldP spid="6" grpId="0" build="p"/>
+    </p:bldLst>
+  </p:timing>
+</p:sld>
+</file>
+
+<file path=ppt/slides/slide7.xml><?xml version="1.0" encoding="utf-8"?>
 <p:sld xmlns:a="http://schemas.openxmlformats.org/drawingml/2006/main" xmlns:r="http://schemas.openxmlformats.org/officeDocument/2006/relationships" xmlns:p="http://schemas.openxmlformats.org/presentationml/2006/main">
   <p:cSld>
     <p:spTree>
@@ -2637,8 +3320,8 @@
         </p:blipFill>
         <p:spPr bwMode="auto">
           <a:xfrm>
-            <a:off x="0" y="0"/>
-            <a:ext cx="9144000" cy="6891037"/>
+            <a:off x="543696" y="692696"/>
+            <a:ext cx="8056608" cy="6071564"/>
           </a:xfrm>
           <a:prstGeom prst="rect">
             <a:avLst/>
@@ -2725,8 +3408,8 @@
         </p:nvSpPr>
         <p:spPr>
           <a:xfrm>
-            <a:off x="475883" y="1124744"/>
-            <a:ext cx="5400600" cy="2108269"/>
+            <a:off x="323528" y="980728"/>
+            <a:ext cx="3736077" cy="2785378"/>
           </a:xfrm>
           <a:prstGeom prst="rect">
             <a:avLst/>
@@ -2776,8 +3459,8 @@
         </p:nvSpPr>
         <p:spPr>
           <a:xfrm>
-            <a:off x="179512" y="4027130"/>
-            <a:ext cx="3903763" cy="1107996"/>
+            <a:off x="179513" y="4027130"/>
+            <a:ext cx="3600400" cy="1107996"/>
           </a:xfrm>
           <a:prstGeom prst="rect">
             <a:avLst/>
@@ -2842,7 +3525,7 @@
 </p:sld>
 </file>
 
-<file path=ppt/slides/slide7.xml><?xml version="1.0" encoding="utf-8"?>
+<file path=ppt/slides/slide8.xml><?xml version="1.0" encoding="utf-8"?>
 <p:sld xmlns:a="http://schemas.openxmlformats.org/drawingml/2006/main" xmlns:r="http://schemas.openxmlformats.org/officeDocument/2006/relationships" xmlns:p="http://schemas.openxmlformats.org/presentationml/2006/main">
   <p:cSld>
     <p:spTree>
@@ -2880,8 +3563,8 @@
         </p:blipFill>
         <p:spPr bwMode="auto">
           <a:xfrm>
-            <a:off x="0" y="0"/>
-            <a:ext cx="9167907" cy="6858000"/>
+            <a:off x="511857" y="692696"/>
+            <a:ext cx="8120286" cy="6073200"/>
           </a:xfrm>
           <a:prstGeom prst="rect">
             <a:avLst/>
@@ -2968,8 +3651,8 @@
         </p:nvSpPr>
         <p:spPr>
           <a:xfrm>
-            <a:off x="475883" y="1124744"/>
-            <a:ext cx="5400600" cy="2108269"/>
+            <a:off x="323528" y="980728"/>
+            <a:ext cx="3520053" cy="2785378"/>
           </a:xfrm>
           <a:prstGeom prst="rect">
             <a:avLst/>
@@ -3019,8 +3702,8 @@
         </p:nvSpPr>
         <p:spPr>
           <a:xfrm>
-            <a:off x="179512" y="4027130"/>
-            <a:ext cx="3903763" cy="1107996"/>
+            <a:off x="179513" y="4027130"/>
+            <a:ext cx="3384376" cy="1384995"/>
           </a:xfrm>
           <a:prstGeom prst="rect">
             <a:avLst/>
@@ -3085,7 +3768,7 @@
 </p:sld>
 </file>
 
-<file path=ppt/slides/slide8.xml><?xml version="1.0" encoding="utf-8"?>
+<file path=ppt/slides/slide9.xml><?xml version="1.0" encoding="utf-8"?>
 <p:sld xmlns:a="http://schemas.openxmlformats.org/drawingml/2006/main" xmlns:r="http://schemas.openxmlformats.org/officeDocument/2006/relationships" xmlns:p="http://schemas.openxmlformats.org/presentationml/2006/main">
   <p:cSld>
     <p:bg>
@@ -3248,7 +3931,7 @@
               </a:tabLst>
             </a:pPr>
             <a:r>
-              <a:rPr lang="en-GB" sz="3200" dirty="0">
+              <a:rPr lang="en-GB" sz="3200">
                 <a:solidFill>
                   <a:schemeClr val="bg1"/>
                 </a:solidFill>
@@ -3259,7 +3942,7 @@
               <a:t>	</a:t>
             </a:r>
             <a:r>
-              <a:rPr lang="en-GB" sz="3200" i="1" dirty="0" smtClean="0">
+              <a:rPr lang="en-GB" sz="3200" i="1" smtClean="0">
                 <a:solidFill>
                   <a:schemeClr val="bg1"/>
                 </a:solidFill>
@@ -3267,7 +3950,7 @@
                 <a:ea typeface="Tahoma" panose="020B0604030504040204" pitchFamily="34" charset="0"/>
                 <a:cs typeface="Tahoma" panose="020B0604030504040204" pitchFamily="34" charset="0"/>
               </a:rPr>
-              <a:t>Christmas-Coding-Challenge-2019</a:t>
+              <a:t>Christmas-Coding-Challenge-2020</a:t>
             </a:r>
             <a:endParaRPr lang="en-GB" sz="3200" i="1" dirty="0">
               <a:solidFill>
